--- a/Presentación_CNBS_2024.pptx
+++ b/Presentación_CNBS_2024.pptx
@@ -5,7 +5,7 @@
     <p:sldMasterId id="2147483660" r:id="rId1"/>
   </p:sldMasterIdLst>
   <p:notesMasterIdLst>
-    <p:notesMasterId r:id="rId19"/>
+    <p:notesMasterId r:id="rId18"/>
   </p:notesMasterIdLst>
   <p:sldIdLst>
     <p:sldId id="257" r:id="rId2"/>
@@ -17,14 +17,13 @@
     <p:sldId id="349" r:id="rId8"/>
     <p:sldId id="345" r:id="rId9"/>
     <p:sldId id="346" r:id="rId10"/>
-    <p:sldId id="347" r:id="rId11"/>
-    <p:sldId id="356" r:id="rId12"/>
-    <p:sldId id="350" r:id="rId13"/>
-    <p:sldId id="351" r:id="rId14"/>
-    <p:sldId id="352" r:id="rId15"/>
-    <p:sldId id="353" r:id="rId16"/>
-    <p:sldId id="354" r:id="rId17"/>
-    <p:sldId id="355" r:id="rId18"/>
+    <p:sldId id="356" r:id="rId11"/>
+    <p:sldId id="350" r:id="rId12"/>
+    <p:sldId id="351" r:id="rId13"/>
+    <p:sldId id="352" r:id="rId14"/>
+    <p:sldId id="353" r:id="rId15"/>
+    <p:sldId id="354" r:id="rId16"/>
+    <p:sldId id="355" r:id="rId17"/>
   </p:sldIdLst>
   <p:sldSz cx="12192000" cy="6858000"/>
   <p:notesSz cx="7010400" cy="9296400"/>
@@ -216,7 +215,7 @@
           <a:p>
             <a:fld id="{FB9E962D-F72D-4F7A-827B-92940368409D}" type="datetimeFigureOut">
               <a:rPr lang="es-HN" smtClean="0"/>
-              <a:t>30/4/2024</a:t>
+              <a:t>2/5/2024</a:t>
             </a:fld>
             <a:endParaRPr lang="es-HN"/>
           </a:p>
@@ -751,7 +750,7 @@
           <a:p>
             <a:fld id="{F939111A-DB08-4CCD-AA95-32E2022B3C69}" type="datetimeFigureOut">
               <a:rPr lang="es-HN" smtClean="0"/>
-              <a:t>30/4/2024</a:t>
+              <a:t>2/5/2024</a:t>
             </a:fld>
             <a:endParaRPr lang="es-HN"/>
           </a:p>
@@ -1064,7 +1063,7 @@
           <a:p>
             <a:fld id="{F939111A-DB08-4CCD-AA95-32E2022B3C69}" type="datetimeFigureOut">
               <a:rPr lang="es-HN" smtClean="0"/>
-              <a:t>30/4/2024</a:t>
+              <a:t>2/5/2024</a:t>
             </a:fld>
             <a:endParaRPr lang="es-HN"/>
           </a:p>
@@ -1336,7 +1335,7 @@
           <a:p>
             <a:fld id="{F939111A-DB08-4CCD-AA95-32E2022B3C69}" type="datetimeFigureOut">
               <a:rPr lang="es-HN" smtClean="0"/>
-              <a:t>30/4/2024</a:t>
+              <a:t>2/5/2024</a:t>
             </a:fld>
             <a:endParaRPr lang="es-HN"/>
           </a:p>
@@ -1893,13 +1892,13 @@
         </p:nvSpPr>
         <p:spPr>
           <a:xfrm>
-            <a:off x="2186939" y="681037"/>
-            <a:ext cx="7818121" cy="759214"/>
+            <a:off x="4688865" y="771006"/>
+            <a:ext cx="2814269" cy="759214"/>
           </a:xfrm>
         </p:spPr>
         <p:txBody>
           <a:bodyPr>
-            <a:normAutofit fontScale="90000"/>
+            <a:normAutofit/>
           </a:bodyPr>
           <a:lstStyle/>
           <a:p>
@@ -1911,7 +1910,7 @@
                 <a:effectLst/>
                 <a:latin typeface="Source Sans Pro" panose="020B0503030403020204" pitchFamily="34" charset="0"/>
               </a:rPr>
-              <a:t>Depuración de Archivos de Texto</a:t>
+              <a:t>Personas</a:t>
             </a:r>
             <a:endParaRPr lang="es-HN" dirty="0"/>
           </a:p>
@@ -1941,7 +1940,7 @@
         </p:spPr>
         <p:txBody>
           <a:bodyPr>
-            <a:normAutofit fontScale="77500" lnSpcReduction="20000"/>
+            <a:normAutofit/>
           </a:bodyPr>
           <a:lstStyle/>
           <a:p>
@@ -1951,160 +1950,27 @@
                   <a:schemeClr val="tx1"/>
                 </a:solidFill>
               </a:rPr>
-              <a:t>Consultas a archivos en formato de texto (.</a:t>
-            </a:r>
-            <a:r>
-              <a:rPr lang="es-MX" dirty="0" err="1">
+              <a:t>Datos a nivel de personas, agrupando por número de identidad y obteniendo información sobre departamento y municipio de nacimiento.</a:t>
+            </a:r>
+          </a:p>
+          <a:p>
+            <a:r>
+              <a:rPr lang="es-MX" dirty="0">
                 <a:solidFill>
                   <a:schemeClr val="tx1"/>
                 </a:solidFill>
               </a:rPr>
-              <a:t>csv</a:t>
-            </a:r>
+              <a:t>Solamente se podía obtener estadística a nivel de transacciones.</a:t>
+            </a:r>
+          </a:p>
+          <a:p>
             <a:r>
               <a:rPr lang="es-MX" dirty="0">
                 <a:solidFill>
                   <a:schemeClr val="tx1"/>
                 </a:solidFill>
               </a:rPr>
-              <a:t>) generados desde BALCAM.</a:t>
-            </a:r>
-          </a:p>
-          <a:p>
-            <a:r>
-              <a:rPr lang="es-MX" dirty="0">
-                <a:solidFill>
-                  <a:schemeClr val="tx1"/>
-                </a:solidFill>
-              </a:rPr>
-              <a:t>Unir archivos de texto mensuales en un solo archivo con formato .</a:t>
-            </a:r>
-            <a:r>
-              <a:rPr lang="es-MX" dirty="0" err="1">
-                <a:solidFill>
-                  <a:schemeClr val="tx1"/>
-                </a:solidFill>
-              </a:rPr>
-              <a:t>csv</a:t>
-            </a:r>
-            <a:r>
-              <a:rPr lang="es-MX" dirty="0">
-                <a:solidFill>
-                  <a:schemeClr val="tx1"/>
-                </a:solidFill>
-              </a:rPr>
-              <a:t>, con un procedimiento en Julia:</a:t>
-            </a:r>
-          </a:p>
-          <a:p>
-            <a:pPr marL="0" indent="0">
-              <a:buNone/>
-            </a:pPr>
-            <a:endParaRPr lang="es-MX" dirty="0">
-              <a:solidFill>
-                <a:schemeClr val="tx1"/>
-              </a:solidFill>
-            </a:endParaRPr>
-          </a:p>
-          <a:p>
-            <a:pPr marL="514350" indent="-514350">
-              <a:buFont typeface="+mj-lt"/>
-              <a:buAutoNum type="arabicPeriod"/>
-            </a:pPr>
-            <a:r>
-              <a:rPr lang="es-MX" dirty="0">
-                <a:solidFill>
-                  <a:schemeClr val="tx1"/>
-                </a:solidFill>
-              </a:rPr>
-              <a:t>Integrar cada archivo .</a:t>
-            </a:r>
-            <a:r>
-              <a:rPr lang="es-MX" dirty="0" err="1">
-                <a:solidFill>
-                  <a:schemeClr val="tx1"/>
-                </a:solidFill>
-              </a:rPr>
-              <a:t>csv</a:t>
-            </a:r>
-            <a:r>
-              <a:rPr lang="es-MX" dirty="0">
-                <a:solidFill>
-                  <a:schemeClr val="tx1"/>
-                </a:solidFill>
-              </a:rPr>
-              <a:t> en un </a:t>
-            </a:r>
-            <a:r>
-              <a:rPr lang="es-MX" dirty="0" err="1">
-                <a:solidFill>
-                  <a:schemeClr val="tx1"/>
-                </a:solidFill>
-              </a:rPr>
-              <a:t>data.frame</a:t>
-            </a:r>
-            <a:r>
-              <a:rPr lang="es-MX" dirty="0">
-                <a:solidFill>
-                  <a:schemeClr val="tx1"/>
-                </a:solidFill>
-              </a:rPr>
-              <a:t> por cada año.</a:t>
-            </a:r>
-          </a:p>
-          <a:p>
-            <a:pPr marL="514350" indent="-514350">
-              <a:buFont typeface="+mj-lt"/>
-              <a:buAutoNum type="arabicPeriod"/>
-            </a:pPr>
-            <a:r>
-              <a:rPr lang="es-MX" dirty="0">
-                <a:solidFill>
-                  <a:schemeClr val="tx1"/>
-                </a:solidFill>
-              </a:rPr>
-              <a:t>Consolidar los datos anuales en un solo archivo y agregar campos (departamento, municipio, etc.).</a:t>
-            </a:r>
-          </a:p>
-          <a:p>
-            <a:pPr marL="514350" indent="-514350">
-              <a:buFont typeface="+mj-lt"/>
-              <a:buAutoNum type="arabicPeriod"/>
-            </a:pPr>
-            <a:endParaRPr lang="es-MX" dirty="0">
-              <a:solidFill>
-                <a:schemeClr val="tx1"/>
-              </a:solidFill>
-            </a:endParaRPr>
-          </a:p>
-          <a:p>
-            <a:r>
-              <a:rPr lang="es-MX" dirty="0">
-                <a:solidFill>
-                  <a:schemeClr val="tx1"/>
-                </a:solidFill>
-              </a:rPr>
-              <a:t>Campo “Identificación”, permitiría obtener el Departamento y Municipio de nacimiento.</a:t>
-            </a:r>
-          </a:p>
-          <a:p>
-            <a:r>
-              <a:rPr lang="es-MX" dirty="0">
-                <a:solidFill>
-                  <a:schemeClr val="tx1"/>
-                </a:solidFill>
-              </a:rPr>
-              <a:t>Información desde enero 2017 hasta diciembre 2023.</a:t>
-            </a:r>
-          </a:p>
-          <a:p>
-            <a:r>
-              <a:rPr lang="es-MX" dirty="0">
-                <a:solidFill>
-                  <a:schemeClr val="tx1"/>
-                </a:solidFill>
-              </a:rPr>
-              <a:t>En años previos a 2017, muchas transacciones en forma consolidada, por lo que no es factible el análisis utilizando el número de identidad.</a:t>
+              <a:t>Alto desplazamiento desde el resto de los departamentos hacia Cortés y Francisco Morazán (correlacionado con los municipios principales, Distrito Central y San Pedro Sula.</a:t>
             </a:r>
             <a:endParaRPr lang="es-HN" dirty="0">
               <a:solidFill>
@@ -2117,7 +1983,7 @@
     </p:spTree>
     <p:extLst>
       <p:ext uri="{BB962C8B-B14F-4D97-AF65-F5344CB8AC3E}">
-        <p14:creationId xmlns:p14="http://schemas.microsoft.com/office/powerpoint/2010/main" val="2361684055"/>
+        <p14:creationId xmlns:p14="http://schemas.microsoft.com/office/powerpoint/2010/main" val="3774538412"/>
       </p:ext>
     </p:extLst>
   </p:cSld>
@@ -2162,8 +2028,49 @@
         </p:nvSpPr>
         <p:spPr>
           <a:xfrm>
-            <a:off x="4688865" y="771006"/>
-            <a:ext cx="2814269" cy="759214"/>
+            <a:off x="1329845" y="625152"/>
+            <a:ext cx="9532310" cy="1225647"/>
+          </a:xfrm>
+        </p:spPr>
+        <p:txBody>
+          <a:bodyPr>
+            <a:normAutofit fontScale="90000"/>
+          </a:bodyPr>
+          <a:lstStyle/>
+          <a:p>
+            <a:r>
+              <a:rPr lang="es-MX" b="1" i="0" dirty="0">
+                <a:solidFill>
+                  <a:srgbClr val="222222"/>
+                </a:solidFill>
+                <a:effectLst/>
+                <a:latin typeface="Source Sans Pro" panose="020B0503030403020204" pitchFamily="34" charset="0"/>
+              </a:rPr>
+              <a:t>Departamento de Transacción vs. Departamento de Nacimiento</a:t>
+            </a:r>
+          </a:p>
+        </p:txBody>
+      </p:sp>
+      <p:sp>
+        <p:nvSpPr>
+          <p:cNvPr id="3" name="Content Placeholder 2">
+            <a:extLst>
+              <a:ext uri="{FF2B5EF4-FFF2-40B4-BE49-F238E27FC236}">
+                <a16:creationId xmlns:a16="http://schemas.microsoft.com/office/drawing/2014/main" id="{ABD4D952-D750-4F0D-A6B3-53AFFC9C4D7B}"/>
+              </a:ext>
+            </a:extLst>
+          </p:cNvPr>
+          <p:cNvSpPr>
+            <a:spLocks noGrp="1"/>
+          </p:cNvSpPr>
+          <p:nvPr>
+            <p:ph idx="1"/>
+          </p:nvPr>
+        </p:nvSpPr>
+        <p:spPr>
+          <a:xfrm>
+            <a:off x="838200" y="1766824"/>
+            <a:ext cx="2343539" cy="4766310"/>
           </a:xfrm>
         </p:spPr>
         <p:txBody>
@@ -2173,76 +2080,14 @@
           <a:lstStyle/>
           <a:p>
             <a:r>
-              <a:rPr lang="es-MX" b="1" i="0" dirty="0">
-                <a:solidFill>
-                  <a:srgbClr val="222222"/>
-                </a:solidFill>
-                <a:effectLst/>
-                <a:latin typeface="Source Sans Pro" panose="020B0503030403020204" pitchFamily="34" charset="0"/>
+              <a:rPr lang="es-MX" sz="2000" dirty="0">
+                <a:solidFill>
+                  <a:schemeClr val="tx1"/>
+                </a:solidFill>
               </a:rPr>
-              <a:t>Personas</a:t>
-            </a:r>
-            <a:endParaRPr lang="es-HN" dirty="0"/>
-          </a:p>
-        </p:txBody>
-      </p:sp>
-      <p:sp>
-        <p:nvSpPr>
-          <p:cNvPr id="3" name="Content Placeholder 2">
-            <a:extLst>
-              <a:ext uri="{FF2B5EF4-FFF2-40B4-BE49-F238E27FC236}">
-                <a16:creationId xmlns:a16="http://schemas.microsoft.com/office/drawing/2014/main" id="{ABD4D952-D750-4F0D-A6B3-53AFFC9C4D7B}"/>
-              </a:ext>
-            </a:extLst>
-          </p:cNvPr>
-          <p:cNvSpPr>
-            <a:spLocks noGrp="1"/>
-          </p:cNvSpPr>
-          <p:nvPr>
-            <p:ph idx="1"/>
-          </p:nvPr>
-        </p:nvSpPr>
-        <p:spPr>
-          <a:xfrm>
-            <a:off x="838200" y="1530220"/>
-            <a:ext cx="10515600" cy="4646743"/>
-          </a:xfrm>
-        </p:spPr>
-        <p:txBody>
-          <a:bodyPr>
-            <a:normAutofit/>
-          </a:bodyPr>
-          <a:lstStyle/>
-          <a:p>
-            <a:r>
-              <a:rPr lang="es-MX" dirty="0">
-                <a:solidFill>
-                  <a:schemeClr val="tx1"/>
-                </a:solidFill>
-              </a:rPr>
-              <a:t>Datos a nivel de personas, agrupando por número de identidad y obteniendo información sobre departamento y municipio de nacimiento.</a:t>
-            </a:r>
-          </a:p>
-          <a:p>
-            <a:r>
-              <a:rPr lang="es-MX" dirty="0">
-                <a:solidFill>
-                  <a:schemeClr val="tx1"/>
-                </a:solidFill>
-              </a:rPr>
-              <a:t>Solamente se podía obtener estadística a nivel de transacciones.</a:t>
-            </a:r>
-          </a:p>
-          <a:p>
-            <a:r>
-              <a:rPr lang="es-MX" dirty="0">
-                <a:solidFill>
-                  <a:schemeClr val="tx1"/>
-                </a:solidFill>
-              </a:rPr>
-              <a:t>Alto desplazamiento desde el resto de los departamentos hacia Cortés y Francisco Morazán (correlacionado con los municipios principales, Distrito Central y San Pedro Sula.</a:t>
-            </a:r>
-            <a:endParaRPr lang="es-HN" dirty="0">
+              <a:t>Desplazamiento hacia los departamentos donde se ubican las dos ciudades principales de Honduras (municipios de Distrito Central y San Pedro Sula) para gestionar el cobro de remesas.</a:t>
+            </a:r>
+            <a:endParaRPr lang="es-HN" sz="2000" dirty="0">
               <a:solidFill>
                 <a:schemeClr val="tx1"/>
               </a:solidFill>
@@ -2250,10 +2095,40 @@
           </a:p>
         </p:txBody>
       </p:sp>
+      <p:pic>
+        <p:nvPicPr>
+          <p:cNvPr id="8" name="Picture 7">
+            <a:extLst>
+              <a:ext uri="{FF2B5EF4-FFF2-40B4-BE49-F238E27FC236}">
+                <a16:creationId xmlns:a16="http://schemas.microsoft.com/office/drawing/2014/main" id="{DB9CA142-0B7C-4E60-889F-EF9A6338D0F3}"/>
+              </a:ext>
+            </a:extLst>
+          </p:cNvPr>
+          <p:cNvPicPr>
+            <a:picLocks noChangeAspect="1"/>
+          </p:cNvPicPr>
+          <p:nvPr/>
+        </p:nvPicPr>
+        <p:blipFill>
+          <a:blip r:embed="rId2"/>
+          <a:stretch>
+            <a:fillRect/>
+          </a:stretch>
+        </p:blipFill>
+        <p:spPr>
+          <a:xfrm>
+            <a:off x="3474487" y="1765623"/>
+            <a:ext cx="8294370" cy="4467225"/>
+          </a:xfrm>
+          <a:prstGeom prst="rect">
+            <a:avLst/>
+          </a:prstGeom>
+        </p:spPr>
+      </p:pic>
     </p:spTree>
     <p:extLst>
       <p:ext uri="{BB962C8B-B14F-4D97-AF65-F5344CB8AC3E}">
-        <p14:creationId xmlns:p14="http://schemas.microsoft.com/office/powerpoint/2010/main" val="3774538412"/>
+        <p14:creationId xmlns:p14="http://schemas.microsoft.com/office/powerpoint/2010/main" val="3540464975"/>
       </p:ext>
     </p:extLst>
   </p:cSld>
@@ -2298,8 +2173,8 @@
         </p:nvSpPr>
         <p:spPr>
           <a:xfrm>
-            <a:off x="1329845" y="625152"/>
-            <a:ext cx="9532310" cy="1225647"/>
+            <a:off x="2186939" y="681037"/>
+            <a:ext cx="7818121" cy="759214"/>
           </a:xfrm>
         </p:spPr>
         <p:txBody>
@@ -2316,8 +2191,9 @@
                 <a:effectLst/>
                 <a:latin typeface="Source Sans Pro" panose="020B0503030403020204" pitchFamily="34" charset="0"/>
               </a:rPr>
-              <a:t>Departamento de Transacción vs. Departamento de Nacimiento</a:t>
-            </a:r>
+              <a:t>Distribución de Personas, por Año</a:t>
+            </a:r>
+            <a:endParaRPr lang="es-HN" dirty="0"/>
           </a:p>
         </p:txBody>
       </p:sp>
@@ -2339,8 +2215,8 @@
         </p:nvSpPr>
         <p:spPr>
           <a:xfrm>
-            <a:off x="838200" y="1766824"/>
-            <a:ext cx="2343539" cy="4766310"/>
+            <a:off x="838200" y="1530220"/>
+            <a:ext cx="10515600" cy="4646743"/>
           </a:xfrm>
         </p:spPr>
         <p:txBody>
@@ -2350,14 +2226,34 @@
           <a:lstStyle/>
           <a:p>
             <a:r>
-              <a:rPr lang="es-MX" sz="2000" dirty="0">
+              <a:rPr lang="es-MX" dirty="0">
                 <a:solidFill>
                   <a:schemeClr val="tx1"/>
                 </a:solidFill>
               </a:rPr>
-              <a:t>Desplazamiento hacia los departamentos donde se ubican las dos ciudades principales de Honduras (municipios de Distrito Central y San Pedro Sula) para gestionar el cobro de remesas.</a:t>
-            </a:r>
-            <a:endParaRPr lang="es-HN" sz="2000" dirty="0">
+              <a:t>El crecimiento del número de beneficiarios durante los años en estudio fue cercano al 10% en todos los años (con excepción de 2020).</a:t>
+            </a:r>
+          </a:p>
+          <a:p>
+            <a:r>
+              <a:rPr lang="es-MX" dirty="0">
+                <a:solidFill>
+                  <a:schemeClr val="tx1"/>
+                </a:solidFill>
+              </a:rPr>
+              <a:t>Durante 2021, el crecimiento en los montos fue mayor al del crecimiento en el número de personas, lo que implica que en promedio se aumentaron los montos recibidos por persona durante ese año.</a:t>
+            </a:r>
+          </a:p>
+          <a:p>
+            <a:r>
+              <a:rPr lang="es-MX" dirty="0">
+                <a:solidFill>
+                  <a:schemeClr val="tx1"/>
+                </a:solidFill>
+              </a:rPr>
+              <a:t>Cerca de cuatro (4) millones de personas han cobrado remesas durante 2017-2022; este dato no se obtuvo por suma de personas por año, sino contando el número de personas distintas beneficiarias en estos años.</a:t>
+            </a:r>
+            <a:endParaRPr lang="es-HN" dirty="0">
               <a:solidFill>
                 <a:schemeClr val="tx1"/>
               </a:solidFill>
@@ -2365,40 +2261,10 @@
           </a:p>
         </p:txBody>
       </p:sp>
-      <p:pic>
-        <p:nvPicPr>
-          <p:cNvPr id="5" name="Picture 4">
-            <a:extLst>
-              <a:ext uri="{FF2B5EF4-FFF2-40B4-BE49-F238E27FC236}">
-                <a16:creationId xmlns:a16="http://schemas.microsoft.com/office/drawing/2014/main" id="{64A99C9B-E31F-4585-A069-53312010F4BA}"/>
-              </a:ext>
-            </a:extLst>
-          </p:cNvPr>
-          <p:cNvPicPr>
-            <a:picLocks noChangeAspect="1"/>
-          </p:cNvPicPr>
-          <p:nvPr/>
-        </p:nvPicPr>
-        <p:blipFill>
-          <a:blip r:embed="rId2"/>
-          <a:stretch>
-            <a:fillRect/>
-          </a:stretch>
-        </p:blipFill>
-        <p:spPr>
-          <a:xfrm>
-            <a:off x="3673384" y="1766824"/>
-            <a:ext cx="7458075" cy="4766310"/>
-          </a:xfrm>
-          <a:prstGeom prst="rect">
-            <a:avLst/>
-          </a:prstGeom>
-        </p:spPr>
-      </p:pic>
     </p:spTree>
     <p:extLst>
       <p:ext uri="{BB962C8B-B14F-4D97-AF65-F5344CB8AC3E}">
-        <p14:creationId xmlns:p14="http://schemas.microsoft.com/office/powerpoint/2010/main" val="3540464975"/>
+        <p14:creationId xmlns:p14="http://schemas.microsoft.com/office/powerpoint/2010/main" val="517072149"/>
       </p:ext>
     </p:extLst>
   </p:cSld>
@@ -2443,50 +2309,8 @@
         </p:nvSpPr>
         <p:spPr>
           <a:xfrm>
-            <a:off x="2186939" y="681037"/>
-            <a:ext cx="7818121" cy="759214"/>
-          </a:xfrm>
-        </p:spPr>
-        <p:txBody>
-          <a:bodyPr>
-            <a:normAutofit fontScale="90000"/>
-          </a:bodyPr>
-          <a:lstStyle/>
-          <a:p>
-            <a:r>
-              <a:rPr lang="es-MX" b="1" i="0" dirty="0">
-                <a:solidFill>
-                  <a:srgbClr val="222222"/>
-                </a:solidFill>
-                <a:effectLst/>
-                <a:latin typeface="Source Sans Pro" panose="020B0503030403020204" pitchFamily="34" charset="0"/>
-              </a:rPr>
-              <a:t>Distribución de Personas, por Año</a:t>
-            </a:r>
-            <a:endParaRPr lang="es-HN" dirty="0"/>
-          </a:p>
-        </p:txBody>
-      </p:sp>
-      <p:sp>
-        <p:nvSpPr>
-          <p:cNvPr id="3" name="Content Placeholder 2">
-            <a:extLst>
-              <a:ext uri="{FF2B5EF4-FFF2-40B4-BE49-F238E27FC236}">
-                <a16:creationId xmlns:a16="http://schemas.microsoft.com/office/drawing/2014/main" id="{ABD4D952-D750-4F0D-A6B3-53AFFC9C4D7B}"/>
-              </a:ext>
-            </a:extLst>
-          </p:cNvPr>
-          <p:cNvSpPr>
-            <a:spLocks noGrp="1"/>
-          </p:cNvSpPr>
-          <p:nvPr>
-            <p:ph idx="1"/>
-          </p:nvPr>
-        </p:nvSpPr>
-        <p:spPr>
-          <a:xfrm>
-            <a:off x="838200" y="1530220"/>
-            <a:ext cx="10515600" cy="4646743"/>
+            <a:off x="3279943" y="780239"/>
+            <a:ext cx="5632114" cy="759214"/>
           </a:xfrm>
         </p:spPr>
         <p:txBody>
@@ -2496,12 +2320,54 @@
           <a:lstStyle/>
           <a:p>
             <a:r>
+              <a:rPr lang="es-MX" b="1" i="0" dirty="0">
+                <a:solidFill>
+                  <a:srgbClr val="222222"/>
+                </a:solidFill>
+                <a:effectLst/>
+                <a:latin typeface="Source Sans Pro" panose="020B0503030403020204" pitchFamily="34" charset="0"/>
+              </a:rPr>
+              <a:t>Periodicidad de Envío</a:t>
+            </a:r>
+            <a:endParaRPr lang="es-HN" dirty="0"/>
+          </a:p>
+        </p:txBody>
+      </p:sp>
+      <p:sp>
+        <p:nvSpPr>
+          <p:cNvPr id="3" name="Content Placeholder 2">
+            <a:extLst>
+              <a:ext uri="{FF2B5EF4-FFF2-40B4-BE49-F238E27FC236}">
+                <a16:creationId xmlns:a16="http://schemas.microsoft.com/office/drawing/2014/main" id="{ABD4D952-D750-4F0D-A6B3-53AFFC9C4D7B}"/>
+              </a:ext>
+            </a:extLst>
+          </p:cNvPr>
+          <p:cNvSpPr>
+            <a:spLocks noGrp="1"/>
+          </p:cNvSpPr>
+          <p:nvPr>
+            <p:ph idx="1"/>
+          </p:nvPr>
+        </p:nvSpPr>
+        <p:spPr>
+          <a:xfrm>
+            <a:off x="838200" y="1530220"/>
+            <a:ext cx="10515600" cy="4646743"/>
+          </a:xfrm>
+        </p:spPr>
+        <p:txBody>
+          <a:bodyPr>
+            <a:normAutofit/>
+          </a:bodyPr>
+          <a:lstStyle/>
+          <a:p>
+            <a:r>
               <a:rPr lang="es-MX" dirty="0">
                 <a:solidFill>
                   <a:schemeClr val="tx1"/>
                 </a:solidFill>
               </a:rPr>
-              <a:t>El crecimiento del número de beneficiarios durante los años en estudio fue cercano al 10% en todos los años (con excepción de 2020).</a:t>
+              <a:t>En la última encuesta semestral de remesas familiares, las consultas sugieren que más del 50% de los envíos de remesas se realizan con una frecuencia mensual con un monto promedio cercano a los USD500.00. Esto puede contrastarse con la información de la base de datos, ver siguientes dos gráficos.</a:t>
             </a:r>
           </a:p>
           <a:p>
@@ -2511,17 +2377,7 @@
                   <a:schemeClr val="tx1"/>
                 </a:solidFill>
               </a:rPr>
-              <a:t>Durante 2021, el crecimiento en los montos fue mayor al del crecimiento en el número de personas, lo que implica que en promedio se aumentaron los montos recibidos por persona durante ese año.</a:t>
-            </a:r>
-          </a:p>
-          <a:p>
-            <a:r>
-              <a:rPr lang="es-MX" dirty="0">
-                <a:solidFill>
-                  <a:schemeClr val="tx1"/>
-                </a:solidFill>
-              </a:rPr>
-              <a:t>Cerca de cuatro (4) millones de personas han cobrado remesas durante 2017-2022; este dato no se obtuvo por suma de personas por año, sino contando el número de personas distintas beneficiarias en estos años.</a:t>
+              <a:t>En cuanto a la distribución de montos recibidos por mes, predominan los valores múltiplos de 50, siendo los montos menores a USD250.00 los más representativos.</a:t>
             </a:r>
             <a:endParaRPr lang="es-HN" dirty="0">
               <a:solidFill>
@@ -2534,7 +2390,7 @@
     </p:spTree>
     <p:extLst>
       <p:ext uri="{BB962C8B-B14F-4D97-AF65-F5344CB8AC3E}">
-        <p14:creationId xmlns:p14="http://schemas.microsoft.com/office/powerpoint/2010/main" val="517072149"/>
+        <p14:creationId xmlns:p14="http://schemas.microsoft.com/office/powerpoint/2010/main" val="2209026589"/>
       </p:ext>
     </p:extLst>
   </p:cSld>
@@ -2579,7 +2435,7 @@
         </p:nvSpPr>
         <p:spPr>
           <a:xfrm>
-            <a:off x="3279943" y="780239"/>
+            <a:off x="3279942" y="624768"/>
             <a:ext cx="5632114" cy="759214"/>
           </a:xfrm>
         </p:spPr>
@@ -2603,64 +2459,40 @@
           </a:p>
         </p:txBody>
       </p:sp>
-      <p:sp>
-        <p:nvSpPr>
-          <p:cNvPr id="3" name="Content Placeholder 2">
-            <a:extLst>
-              <a:ext uri="{FF2B5EF4-FFF2-40B4-BE49-F238E27FC236}">
-                <a16:creationId xmlns:a16="http://schemas.microsoft.com/office/drawing/2014/main" id="{ABD4D952-D750-4F0D-A6B3-53AFFC9C4D7B}"/>
-              </a:ext>
-            </a:extLst>
-          </p:cNvPr>
-          <p:cNvSpPr>
-            <a:spLocks noGrp="1"/>
-          </p:cNvSpPr>
-          <p:nvPr>
-            <p:ph idx="1"/>
-          </p:nvPr>
-        </p:nvSpPr>
-        <p:spPr>
-          <a:xfrm>
-            <a:off x="838200" y="1530220"/>
-            <a:ext cx="10515600" cy="4646743"/>
-          </a:xfrm>
-        </p:spPr>
-        <p:txBody>
-          <a:bodyPr>
-            <a:normAutofit/>
-          </a:bodyPr>
-          <a:lstStyle/>
-          <a:p>
-            <a:r>
-              <a:rPr lang="es-MX" dirty="0">
-                <a:solidFill>
-                  <a:schemeClr val="tx1"/>
-                </a:solidFill>
-              </a:rPr>
-              <a:t>En la última encuesta semestral de remesas familiares, las consultas sugieren que más del 50% de los envíos de remesas se realizan con una frecuencia mensual con un monto promedio cercano a los USD500.00. Esto puede contrastarse con la información de la base de datos, ver siguientes dos gráficos.</a:t>
-            </a:r>
-          </a:p>
-          <a:p>
-            <a:r>
-              <a:rPr lang="es-MX" dirty="0">
-                <a:solidFill>
-                  <a:schemeClr val="tx1"/>
-                </a:solidFill>
-              </a:rPr>
-              <a:t>En cuanto a la distribución de montos recibidos por mes, predominan los valores múltiplos de 50, siendo los montos menores a USD250.00 los más representativos.</a:t>
-            </a:r>
-            <a:endParaRPr lang="es-HN" dirty="0">
-              <a:solidFill>
-                <a:schemeClr val="tx1"/>
-              </a:solidFill>
-            </a:endParaRPr>
-          </a:p>
-        </p:txBody>
-      </p:sp>
+      <p:pic>
+        <p:nvPicPr>
+          <p:cNvPr id="4" name="Picture 3">
+            <a:extLst>
+              <a:ext uri="{FF2B5EF4-FFF2-40B4-BE49-F238E27FC236}">
+                <a16:creationId xmlns:a16="http://schemas.microsoft.com/office/drawing/2014/main" id="{D4AE7195-19D1-4FA9-8D25-531171A5EA7E}"/>
+              </a:ext>
+            </a:extLst>
+          </p:cNvPr>
+          <p:cNvPicPr>
+            <a:picLocks noChangeAspect="1"/>
+          </p:cNvPicPr>
+          <p:nvPr/>
+        </p:nvPicPr>
+        <p:blipFill>
+          <a:blip r:embed="rId2"/>
+          <a:stretch>
+            <a:fillRect/>
+          </a:stretch>
+        </p:blipFill>
+        <p:spPr>
+          <a:xfrm>
+            <a:off x="1888806" y="1383982"/>
+            <a:ext cx="8414385" cy="5360670"/>
+          </a:xfrm>
+          <a:prstGeom prst="rect">
+            <a:avLst/>
+          </a:prstGeom>
+        </p:spPr>
+      </p:pic>
     </p:spTree>
     <p:extLst>
       <p:ext uri="{BB962C8B-B14F-4D97-AF65-F5344CB8AC3E}">
-        <p14:creationId xmlns:p14="http://schemas.microsoft.com/office/powerpoint/2010/main" val="2209026589"/>
+        <p14:creationId xmlns:p14="http://schemas.microsoft.com/office/powerpoint/2010/main" val="3708537564"/>
       </p:ext>
     </p:extLst>
   </p:cSld>
@@ -2731,10 +2563,10 @@
       </p:sp>
       <p:pic>
         <p:nvPicPr>
-          <p:cNvPr id="7" name="Picture 6">
-            <a:extLst>
-              <a:ext uri="{FF2B5EF4-FFF2-40B4-BE49-F238E27FC236}">
-                <a16:creationId xmlns:a16="http://schemas.microsoft.com/office/drawing/2014/main" id="{EC6ACDDD-FDB7-405C-A9AA-DF61A836F783}"/>
+          <p:cNvPr id="5" name="Picture 4">
+            <a:extLst>
+              <a:ext uri="{FF2B5EF4-FFF2-40B4-BE49-F238E27FC236}">
+                <a16:creationId xmlns:a16="http://schemas.microsoft.com/office/drawing/2014/main" id="{A32B8D38-B1DA-4A1A-AD30-D144329E4891}"/>
               </a:ext>
             </a:extLst>
           </p:cNvPr>
@@ -2751,110 +2583,8 @@
         </p:blipFill>
         <p:spPr>
           <a:xfrm>
-            <a:off x="1742122" y="1383982"/>
-            <a:ext cx="8707755" cy="5474018"/>
-          </a:xfrm>
-          <a:prstGeom prst="rect">
-            <a:avLst/>
-          </a:prstGeom>
-        </p:spPr>
-      </p:pic>
-    </p:spTree>
-    <p:extLst>
-      <p:ext uri="{BB962C8B-B14F-4D97-AF65-F5344CB8AC3E}">
-        <p14:creationId xmlns:p14="http://schemas.microsoft.com/office/powerpoint/2010/main" val="3708537564"/>
-      </p:ext>
-    </p:extLst>
-  </p:cSld>
-  <p:clrMapOvr>
-    <a:masterClrMapping/>
-  </p:clrMapOvr>
-</p:sld>
-</file>
-
-<file path=ppt/slides/slide16.xml><?xml version="1.0" encoding="utf-8"?>
-<p:sld xmlns:a="http://schemas.openxmlformats.org/drawingml/2006/main" xmlns:r="http://schemas.openxmlformats.org/officeDocument/2006/relationships" xmlns:p="http://schemas.openxmlformats.org/presentationml/2006/main">
-  <p:cSld>
-    <p:spTree>
-      <p:nvGrpSpPr>
-        <p:cNvPr id="1" name=""/>
-        <p:cNvGrpSpPr/>
-        <p:nvPr/>
-      </p:nvGrpSpPr>
-      <p:grpSpPr>
-        <a:xfrm>
-          <a:off x="0" y="0"/>
-          <a:ext cx="0" cy="0"/>
-          <a:chOff x="0" y="0"/>
-          <a:chExt cx="0" cy="0"/>
-        </a:xfrm>
-      </p:grpSpPr>
-      <p:sp>
-        <p:nvSpPr>
-          <p:cNvPr id="2" name="Title 1">
-            <a:extLst>
-              <a:ext uri="{FF2B5EF4-FFF2-40B4-BE49-F238E27FC236}">
-                <a16:creationId xmlns:a16="http://schemas.microsoft.com/office/drawing/2014/main" id="{97E00338-3898-4854-B8C4-AD487EE15B12}"/>
-              </a:ext>
-            </a:extLst>
-          </p:cNvPr>
-          <p:cNvSpPr>
-            <a:spLocks noGrp="1"/>
-          </p:cNvSpPr>
-          <p:nvPr>
-            <p:ph type="title"/>
-          </p:nvPr>
-        </p:nvSpPr>
-        <p:spPr>
-          <a:xfrm>
-            <a:off x="3279942" y="624768"/>
-            <a:ext cx="5632114" cy="759214"/>
-          </a:xfrm>
-        </p:spPr>
-        <p:txBody>
-          <a:bodyPr>
-            <a:normAutofit/>
-          </a:bodyPr>
-          <a:lstStyle/>
-          <a:p>
-            <a:r>
-              <a:rPr lang="es-MX" b="1" i="0" dirty="0">
-                <a:solidFill>
-                  <a:srgbClr val="222222"/>
-                </a:solidFill>
-                <a:effectLst/>
-                <a:latin typeface="Source Sans Pro" panose="020B0503030403020204" pitchFamily="34" charset="0"/>
-              </a:rPr>
-              <a:t>Periodicidad de Envío</a:t>
-            </a:r>
-            <a:endParaRPr lang="es-HN" dirty="0"/>
-          </a:p>
-        </p:txBody>
-      </p:sp>
-      <p:pic>
-        <p:nvPicPr>
-          <p:cNvPr id="4" name="Picture 3">
-            <a:extLst>
-              <a:ext uri="{FF2B5EF4-FFF2-40B4-BE49-F238E27FC236}">
-                <a16:creationId xmlns:a16="http://schemas.microsoft.com/office/drawing/2014/main" id="{4591A07B-927E-4E09-8D42-004194496572}"/>
-              </a:ext>
-            </a:extLst>
-          </p:cNvPr>
-          <p:cNvPicPr>
-            <a:picLocks noChangeAspect="1"/>
-          </p:cNvPicPr>
-          <p:nvPr/>
-        </p:nvPicPr>
-        <p:blipFill>
-          <a:blip r:embed="rId2"/>
-          <a:stretch>
-            <a:fillRect/>
-          </a:stretch>
-        </p:blipFill>
-        <p:spPr>
-          <a:xfrm>
-            <a:off x="2062399" y="1383982"/>
-            <a:ext cx="8067199" cy="5144929"/>
+            <a:off x="1588292" y="1383982"/>
+            <a:ext cx="9015413" cy="4900613"/>
           </a:xfrm>
           <a:prstGeom prst="rect">
             <a:avLst/>
@@ -2874,7 +2604,7 @@
 </p:sld>
 </file>
 
-<file path=ppt/slides/slide17.xml><?xml version="1.0" encoding="utf-8"?>
+<file path=ppt/slides/slide16.xml><?xml version="1.0" encoding="utf-8"?>
 <p:sld xmlns:a="http://schemas.openxmlformats.org/drawingml/2006/main" xmlns:r="http://schemas.openxmlformats.org/officeDocument/2006/relationships" xmlns:p="http://schemas.openxmlformats.org/presentationml/2006/main">
   <p:cSld>
     <p:spTree>
